--- a/chrins/Internship.Report.for.Machine.Learning.Course.pptx
+++ b/chrins/Internship.Report.for.Machine.Learning.Course.pptx
@@ -10199,7 +10199,7 @@
         </p:nvSpPr>
         <p:spPr>
           <a:xfrm>
-            <a:off x="884075" y="2802825"/>
+            <a:off x="884075" y="1976916"/>
             <a:ext cx="5701800" cy="2955300"/>
           </a:xfrm>
           <a:prstGeom prst="rect">
@@ -10226,7 +10226,7 @@
               <a:buNone/>
             </a:pPr>
             <a:r>
-              <a:rPr lang="en" sz="3600">
+              <a:rPr lang="en" sz="3600" dirty="0">
                 <a:solidFill>
                   <a:schemeClr val="accent1"/>
                 </a:solidFill>
@@ -10237,7 +10237,7 @@
               </a:rPr>
               <a:t>Machine Learning based Analysis of Antibiogram</a:t>
             </a:r>
-            <a:endParaRPr sz="3600">
+            <a:endParaRPr sz="3600" dirty="0">
               <a:solidFill>
                 <a:schemeClr val="accent1"/>
               </a:solidFill>
@@ -10258,7 +10258,7 @@
               <a:buNone/>
             </a:pPr>
             <a:r>
-              <a:rPr lang="en" sz="3600">
+              <a:rPr lang="en" sz="3600" dirty="0">
                 <a:solidFill>
                   <a:schemeClr val="accent1"/>
                 </a:solidFill>
@@ -10269,7 +10269,7 @@
               </a:rPr>
               <a:t>  (UTI CDSS)</a:t>
             </a:r>
-            <a:endParaRPr sz="3600">
+            <a:endParaRPr sz="3600" dirty="0">
               <a:solidFill>
                 <a:schemeClr val="accent1"/>
               </a:solidFill>
@@ -10289,7 +10289,7 @@
               </a:spcAft>
               <a:buNone/>
             </a:pPr>
-            <a:endParaRPr sz="3600">
+            <a:endParaRPr sz="3600" dirty="0">
               <a:solidFill>
                 <a:schemeClr val="accent1"/>
               </a:solidFill>
@@ -10310,7 +10310,7 @@
               <a:buNone/>
             </a:pPr>
             <a:r>
-              <a:rPr lang="en" sz="3600">
+              <a:rPr lang="en" sz="3600" dirty="0">
                 <a:solidFill>
                   <a:schemeClr val="accent1"/>
                 </a:solidFill>
@@ -10321,7 +10321,7 @@
               </a:rPr>
               <a:t>     Internship Report </a:t>
             </a:r>
-            <a:endParaRPr sz="3600">
+            <a:endParaRPr sz="3600" dirty="0">
               <a:solidFill>
                 <a:schemeClr val="accent1"/>
               </a:solidFill>
@@ -10341,8 +10341,8 @@
         </p:nvSpPr>
         <p:spPr>
           <a:xfrm>
-            <a:off x="884075" y="5868207"/>
-            <a:ext cx="5284500" cy="4185731"/>
+            <a:off x="964450" y="5171962"/>
+            <a:ext cx="5284500" cy="4801284"/>
           </a:xfrm>
           <a:prstGeom prst="rect">
             <a:avLst/>
@@ -10434,7 +10434,7 @@
                 <a:cs typeface="Roboto"/>
                 <a:sym typeface="Roboto"/>
               </a:rPr>
-              <a:t>: Abhishek Choudhary, Dr </a:t>
+              <a:t>: Dr </a:t>
             </a:r>
             <a:r>
               <a:rPr lang="en-IN" sz="2000" i="1" dirty="0" err="1">
@@ -10452,19 +10452,48 @@
                 <a:cs typeface="Roboto"/>
                 <a:sym typeface="Roboto"/>
               </a:rPr>
-              <a:t> Katta</a:t>
+              <a:t> Katta, </a:t>
             </a:r>
           </a:p>
           <a:p>
-            <a:pPr marL="0" lvl="0" indent="0" algn="l" rtl="0">
-              <a:spcBef>
-                <a:spcPts val="0"/>
-              </a:spcBef>
-              <a:spcAft>
-                <a:spcPts val="0"/>
-              </a:spcAft>
-              <a:buNone/>
-            </a:pPr>
+            <a:r>
+              <a:rPr lang="en-IN" sz="2000" i="1" dirty="0">
+                <a:latin typeface="Roboto"/>
+                <a:ea typeface="Roboto"/>
+                <a:cs typeface="Roboto"/>
+                <a:sym typeface="Roboto"/>
+              </a:rPr>
+              <a:t>                                 </a:t>
+            </a:r>
+            <a:r>
+              <a:rPr lang="en-IN" sz="2000" i="1" dirty="0" err="1">
+                <a:latin typeface="Roboto"/>
+                <a:ea typeface="Roboto"/>
+                <a:cs typeface="Roboto"/>
+                <a:sym typeface="Roboto"/>
+              </a:rPr>
+              <a:t>Mr.Abhishek</a:t>
+            </a:r>
+            <a:r>
+              <a:rPr lang="en-IN" sz="2000" i="1" dirty="0">
+                <a:latin typeface="Roboto"/>
+                <a:ea typeface="Roboto"/>
+                <a:cs typeface="Roboto"/>
+                <a:sym typeface="Roboto"/>
+              </a:rPr>
+              <a:t> Choudhary</a:t>
+            </a:r>
+          </a:p>
+          <a:p>
+            <a:r>
+              <a:rPr lang="en-IN" sz="2000" i="1" dirty="0">
+                <a:latin typeface="Roboto"/>
+                <a:ea typeface="Roboto"/>
+                <a:cs typeface="Roboto"/>
+                <a:sym typeface="Roboto"/>
+              </a:rPr>
+              <a:t>                                  </a:t>
+            </a:r>
             <a:endParaRPr sz="2000" i="1" dirty="0">
               <a:latin typeface="Roboto"/>
               <a:ea typeface="Roboto"/>
@@ -10523,7 +10552,7 @@
                 <a:cs typeface="Roboto"/>
                 <a:sym typeface="Roboto"/>
               </a:rPr>
-              <a:t>Duration of Internship : </a:t>
+              <a:t>Duration of Internship : 30 days</a:t>
             </a:r>
             <a:endParaRPr sz="2000" i="1" dirty="0">
               <a:latin typeface="Roboto"/>
@@ -10583,7 +10612,67 @@
                 <a:cs typeface="Roboto"/>
                 <a:sym typeface="Roboto"/>
               </a:rPr>
-              <a:t>Team : Chrins Thomas Jojo, Joel George, Anjaly Sathyan, Rosenna Francis</a:t>
+              <a:t>Team : Chrins Thomas Jojo,</a:t>
+            </a:r>
+          </a:p>
+          <a:p>
+            <a:pPr marL="0" lvl="0" indent="0" algn="l" rtl="0">
+              <a:spcBef>
+                <a:spcPts val="0"/>
+              </a:spcBef>
+              <a:spcAft>
+                <a:spcPts val="0"/>
+              </a:spcAft>
+              <a:buNone/>
+            </a:pPr>
+            <a:r>
+              <a:rPr lang="en" sz="2000" i="1" dirty="0">
+                <a:latin typeface="Roboto"/>
+                <a:ea typeface="Roboto"/>
+                <a:cs typeface="Roboto"/>
+                <a:sym typeface="Roboto"/>
+              </a:rPr>
+              <a:t>             Joel George, </a:t>
+            </a:r>
+          </a:p>
+          <a:p>
+            <a:pPr marL="0" lvl="0" indent="0" algn="l" rtl="0">
+              <a:spcBef>
+                <a:spcPts val="0"/>
+              </a:spcBef>
+              <a:spcAft>
+                <a:spcPts val="0"/>
+              </a:spcAft>
+              <a:buNone/>
+            </a:pPr>
+            <a:r>
+              <a:rPr lang="en" sz="2000" i="1" dirty="0">
+                <a:latin typeface="Roboto"/>
+                <a:ea typeface="Roboto"/>
+                <a:cs typeface="Roboto"/>
+                <a:sym typeface="Roboto"/>
+              </a:rPr>
+              <a:t>            Anjaly Sathyan, </a:t>
+            </a:r>
+          </a:p>
+          <a:p>
+            <a:pPr marL="0" lvl="0" indent="0" algn="l" rtl="0">
+              <a:spcBef>
+                <a:spcPts val="0"/>
+              </a:spcBef>
+              <a:spcAft>
+                <a:spcPts val="0"/>
+              </a:spcAft>
+              <a:buNone/>
+            </a:pPr>
+            <a:r>
+              <a:rPr lang="en" sz="2000" i="1" dirty="0">
+                <a:latin typeface="Roboto"/>
+                <a:ea typeface="Roboto"/>
+                <a:cs typeface="Roboto"/>
+                <a:sym typeface="Roboto"/>
+              </a:rPr>
+              <a:t>            Rosenna Francis</a:t>
             </a:r>
             <a:endParaRPr sz="2000" i="1" dirty="0">
               <a:latin typeface="Roboto"/>
@@ -16462,22 +16551,13 @@
               <a:buNone/>
             </a:pPr>
             <a:r>
-              <a:rPr lang="en-GB" sz="2400" i="1" dirty="0" err="1">
-                <a:latin typeface="Roboto" panose="02000000000000000000" pitchFamily="2" charset="0"/>
-                <a:ea typeface="Roboto" panose="02000000000000000000" pitchFamily="2" charset="0"/>
-                <a:cs typeface="Roboto"/>
-                <a:sym typeface="Roboto"/>
-              </a:rPr>
-              <a:t>Dr.Srija</a:t>
-            </a:r>
-            <a:r>
               <a:rPr lang="en-GB" sz="2400" i="1" dirty="0">
                 <a:latin typeface="Roboto" panose="02000000000000000000" pitchFamily="2" charset="0"/>
                 <a:ea typeface="Roboto" panose="02000000000000000000" pitchFamily="2" charset="0"/>
                 <a:cs typeface="Roboto"/>
                 <a:sym typeface="Roboto"/>
               </a:rPr>
-              <a:t> ma’am taught us how to create a fork from a repository named </a:t>
+              <a:t>Learned about  how to create a fork from a repository named </a:t>
             </a:r>
             <a:r>
               <a:rPr lang="en-GB" sz="2400" b="0" i="1" dirty="0">
@@ -16489,15 +16569,6 @@
                 <a:ea typeface="Roboto" panose="02000000000000000000" pitchFamily="2" charset="0"/>
               </a:rPr>
               <a:t> </a:t>
-            </a:r>
-            <a:r>
-              <a:rPr lang="en-GB" sz="2400" b="0" i="1" u="none" strike="noStrike" dirty="0" err="1">
-                <a:effectLst/>
-                <a:latin typeface="Roboto" panose="02000000000000000000" pitchFamily="2" charset="0"/>
-                <a:ea typeface="Roboto" panose="02000000000000000000" pitchFamily="2" charset="0"/>
-                <a:hlinkClick r:id="rId3"/>
-              </a:rPr>
-              <a:t>ayeportfoliorx</a:t>
             </a:r>
             <a:r>
               <a:rPr lang="en-GB" sz="2400" b="0" i="1" u="none" strike="noStrike" dirty="0">
@@ -16506,7 +16577,14 @@
                 <a:ea typeface="Roboto" panose="02000000000000000000" pitchFamily="2" charset="0"/>
                 <a:hlinkClick r:id="rId3"/>
               </a:rPr>
-              <a:t>/ayeportfoliorx.github.io</a:t>
+              <a:t>ayeportfoliorx/ayeportfoliorx.github.io</a:t>
+            </a:r>
+            <a:r>
+              <a:rPr lang="en-GB" sz="2400" i="1" dirty="0">
+                <a:latin typeface="Roboto" panose="02000000000000000000" pitchFamily="2" charset="0"/>
+                <a:ea typeface="Roboto" panose="02000000000000000000" pitchFamily="2" charset="0"/>
+              </a:rPr>
+              <a:t> .</a:t>
             </a:r>
             <a:r>
               <a:rPr lang="en-GB" sz="2400" b="0" i="1" u="none" strike="noStrike" dirty="0">
@@ -16514,7 +16592,7 @@
                 <a:latin typeface="Roboto" panose="02000000000000000000" pitchFamily="2" charset="0"/>
                 <a:ea typeface="Roboto" panose="02000000000000000000" pitchFamily="2" charset="0"/>
               </a:rPr>
-              <a:t>. </a:t>
+              <a:t> </a:t>
             </a:r>
             <a:r>
               <a:rPr lang="en-GB" sz="2400" i="1" dirty="0">
